--- a/static/PptCreatedUsingR.pptx
+++ b/static/PptCreatedUsingR.pptx
@@ -5575,7 +5575,7 @@
           <a:p>
             <a:r>
               <a:rPr/>
-              <a:t>Generated 07 December 2018</a:t>
+              <a:t>Generated 26 February 2019</a:t>
             </a:r>
           </a:p>
         </p:txBody>

--- a/static/PptCreatedUsingR.pptx
+++ b/static/PptCreatedUsingR.pptx
@@ -5575,7 +5575,7 @@
           <a:p>
             <a:r>
               <a:rPr/>
-              <a:t>Generated 26 February 2019</a:t>
+              <a:t>Generated 04 March 2019</a:t>
             </a:r>
           </a:p>
         </p:txBody>

--- a/static/PptCreatedUsingR.pptx
+++ b/static/PptCreatedUsingR.pptx
@@ -5575,7 +5575,7 @@
           <a:p>
             <a:r>
               <a:rPr/>
-              <a:t>Generated 04 March 2019</a:t>
+              <a:t>Generated 29 March 2019</a:t>
             </a:r>
           </a:p>
         </p:txBody>
